--- a/hw4temp/slides.pptx
+++ b/hw4temp/slides.pptx
@@ -7,6 +7,7 @@
   <p:sldIdLst>
     <p:sldId id="259" r:id="rId2"/>
     <p:sldId id="260" r:id="rId3"/>
+    <p:sldId id="261" r:id="rId4"/>
   </p:sldIdLst>
   <p:sldSz cx="12192000" cy="6858000"/>
   <p:notesSz cx="6858000" cy="9144000"/>
@@ -3403,150 +3404,143 @@
           </a:bodyPr>
           <a:lstStyle/>
           <a:p>
-            <a:pPr marL="0" indent="0" algn="l">
-              <a:buNone/>
-            </a:pPr>
-            <a:r>
-              <a:rPr lang="en-US" sz="2000" b="1" dirty="0"/>
-              <a:t>Translating Algorithm Components</a:t>
-            </a:r>
-          </a:p>
-          <a:p>
-            <a:pPr marL="342900" indent="-342900" algn="l">
-              <a:buFont typeface="Arial" panose="020B0604020202020204" pitchFamily="34" charset="0"/>
-              <a:buChar char="•"/>
-            </a:pPr>
-            <a:r>
-              <a:rPr lang="en-US" sz="1600" b="1" i="1" dirty="0"/>
-              <a:t>Repetition: </a:t>
-            </a:r>
-            <a:r>
-              <a:rPr lang="en-US" sz="1600" dirty="0"/>
-              <a:t>for loops: for loops: Execute over particle and collision arrays for initial setup and recalculations post-collision. Specifically, they enable efficient checking and updating of every particle's potential collisions with walls and other particles after an event; while loops: Employs a primary loop to continuously process the earliest collision until all predicted events are resolved or a simulation end condition is met.</a:t>
-            </a:r>
-          </a:p>
-          <a:p>
-            <a:pPr marL="342900" indent="-342900" algn="l">
-              <a:buFont typeface="Arial" panose="020B0604020202020204" pitchFamily="34" charset="0"/>
-              <a:buChar char="•"/>
-            </a:pPr>
-            <a:r>
-              <a:rPr lang="en-US" sz="1600" b="1" i="1" dirty="0"/>
-              <a:t>Decision Making: </a:t>
-            </a:r>
-            <a:r>
-              <a:rPr lang="en-US" sz="1600" dirty="0"/>
-              <a:t>if/else statements: Determine collision types, with separate logic paths for particle-wall (</a:t>
-            </a:r>
-            <a:r>
-              <a:rPr lang="en-US" sz="1600" dirty="0" err="1"/>
-              <a:t>updateWC</a:t>
-            </a:r>
-            <a:r>
-              <a:rPr lang="en-US" sz="1600" dirty="0"/>
-              <a:t>) and particle-particle (</a:t>
-            </a:r>
-            <a:r>
-              <a:rPr lang="en-US" sz="1600" dirty="0" err="1"/>
-              <a:t>updatePC</a:t>
-            </a:r>
-            <a:r>
-              <a:rPr lang="en-US" sz="1600" dirty="0"/>
-              <a:t>) interactions. They are crucial in applying appropriate physical laws for momentum and energy transfer.</a:t>
-            </a:r>
-          </a:p>
-          <a:p>
-            <a:pPr marL="342900" indent="-342900" algn="l">
-              <a:buFont typeface="Arial" panose="020B0604020202020204" pitchFamily="34" charset="0"/>
-              <a:buChar char="•"/>
-            </a:pPr>
-            <a:r>
-              <a:rPr lang="en-US" sz="1600" b="1" i="1" dirty="0"/>
-              <a:t>Math: </a:t>
-            </a:r>
-            <a:r>
-              <a:rPr lang="en-US" sz="1600" dirty="0"/>
-              <a:t>Collision detection relies on predicting when and where two particles or a particle and a wall will intersect based on their current velocities and positions, involving calculations of trajectories and relative speeds.</a:t>
-            </a:r>
-          </a:p>
-          <a:p>
-            <a:pPr marL="342900" indent="-342900" algn="l">
-              <a:buFont typeface="Arial" panose="020B0604020202020204" pitchFamily="34" charset="0"/>
-              <a:buChar char="•"/>
-            </a:pPr>
-            <a:r>
-              <a:rPr lang="en-US" sz="1600" b="1" i="1" dirty="0"/>
-              <a:t>Names: </a:t>
-            </a:r>
-            <a:r>
-              <a:rPr lang="en-US" sz="1600" dirty="0"/>
-              <a:t>particles: Stores the dynamic state of each particle, including position, velocity, and collision count, offering a comprehensive snapshot of the system at any given time; collisions: Records potential future collision events, each with a timestamp indicating when it will occur if no other collision alters the involved particles' paths.</a:t>
-            </a:r>
-          </a:p>
-          <a:p>
-            <a:pPr marL="342900" indent="-342900" algn="l">
-              <a:buFont typeface="Arial" panose="020B0604020202020204" pitchFamily="34" charset="0"/>
-              <a:buChar char="•"/>
-            </a:pPr>
-            <a:r>
-              <a:rPr lang="en-US" sz="1600" b="1" i="1" dirty="0"/>
-              <a:t>Altering Values: </a:t>
-            </a:r>
-            <a:r>
-              <a:rPr lang="en-US" sz="1600" dirty="0"/>
-              <a:t>Particles' states (position, velocity) are continuously updated following collisions. The system's entropy and energy dispersion are indirectly represented through these changes.</a:t>
-            </a:r>
-          </a:p>
-          <a:p>
-            <a:pPr marL="342900" indent="-342900" algn="l">
-              <a:buFont typeface="Arial" panose="020B0604020202020204" pitchFamily="34" charset="0"/>
-              <a:buChar char="•"/>
-            </a:pPr>
-            <a:r>
-              <a:rPr lang="en-US" sz="1600" b="1" i="1" dirty="0"/>
-              <a:t>Complicated Steps: </a:t>
-            </a:r>
-            <a:r>
-              <a:rPr lang="en-US" sz="1600" dirty="0"/>
-              <a:t>Functions like </a:t>
-            </a:r>
-            <a:r>
-              <a:rPr lang="en-US" sz="1600" dirty="0" err="1"/>
-              <a:t>updateWC</a:t>
-            </a:r>
-            <a:r>
-              <a:rPr lang="en-US" sz="1600" dirty="0"/>
-              <a:t> and </a:t>
-            </a:r>
-            <a:r>
-              <a:rPr lang="en-US" sz="1600" dirty="0" err="1"/>
-              <a:t>updatePC</a:t>
-            </a:r>
-            <a:r>
-              <a:rPr lang="en-US" sz="1600" dirty="0"/>
-              <a:t> abstract away the complexity of resolving collisions and updating velocities; </a:t>
-            </a:r>
-            <a:r>
-              <a:rPr lang="en-US" sz="1600" dirty="0" err="1"/>
-              <a:t>processNext</a:t>
-            </a:r>
-            <a:r>
-              <a:rPr lang="en-US" sz="1600" dirty="0"/>
-              <a:t>: Determines and processes the next collision based on the sorted collision list.</a:t>
-            </a:r>
-          </a:p>
-          <a:p>
-            <a:pPr marL="342900" indent="-342900" algn="l">
-              <a:buFont typeface="Arial" panose="020B0604020202020204" pitchFamily="34" charset="0"/>
-              <a:buChar char="•"/>
-            </a:pPr>
-            <a:r>
-              <a:rPr lang="en-US" sz="1600" b="1" i="1" dirty="0"/>
-              <a:t>And the answer is...!:</a:t>
-            </a:r>
-            <a:r>
-              <a:rPr lang="en-US" sz="1600" dirty="0"/>
-              <a:t> At the end, the simulation reveals dynamics of the system such as total number of collisions and final particle positions.</a:t>
+            <a:r>
+              <a:rPr lang="en-US" sz="1800" b="1" dirty="0"/>
+              <a:t>Initial Setup: File Reading (read function): </a:t>
+            </a:r>
+            <a:r>
+              <a:rPr lang="en-US" sz="1800" dirty="0"/>
+              <a:t>Opens input file, reads simulation parameters (number of particles, arena size, etc.), and initializes global particles and collisions arrays with simulation data.</a:t>
+            </a:r>
+          </a:p>
+          <a:p>
+            <a:r>
+              <a:rPr lang="en-US" sz="1800" b="1" dirty="0"/>
+              <a:t>Main Simulation Loop (main function):</a:t>
+            </a:r>
+            <a:r>
+              <a:rPr lang="en-US" sz="1800" dirty="0"/>
+              <a:t>Collision Sorting (</a:t>
+            </a:r>
+            <a:r>
+              <a:rPr lang="en-US" sz="1800" dirty="0" err="1"/>
+              <a:t>sortColArr</a:t>
+            </a:r>
+            <a:r>
+              <a:rPr lang="en-US" sz="1800" dirty="0"/>
+              <a:t> function): Implements insertion sort to prioritize upcoming events, ensuring the next collision processed is always the earliest. </a:t>
+            </a:r>
+            <a:r>
+              <a:rPr lang="en-US" sz="1800" b="1" dirty="0"/>
+              <a:t>Event Processing (</a:t>
+            </a:r>
+            <a:r>
+              <a:rPr lang="en-US" sz="1800" b="1" dirty="0" err="1"/>
+              <a:t>jumpCol</a:t>
+            </a:r>
+            <a:r>
+              <a:rPr lang="en-US" sz="1800" b="1" dirty="0"/>
+              <a:t> function): </a:t>
+            </a:r>
+            <a:r>
+              <a:rPr lang="en-US" sz="1800" dirty="0"/>
+              <a:t>Determines the type of the earliest collision (particle-wall or particle-particle) and delegates to the respective update function.</a:t>
+            </a:r>
+          </a:p>
+          <a:p>
+            <a:r>
+              <a:rPr lang="en-US" sz="1800" b="1" dirty="0"/>
+              <a:t>Collision Handling: Particle-Wall Collisions (</a:t>
+            </a:r>
+            <a:r>
+              <a:rPr lang="en-US" sz="1800" b="1" dirty="0" err="1"/>
+              <a:t>updatePW</a:t>
+            </a:r>
+            <a:r>
+              <a:rPr lang="en-US" sz="1800" b="1" dirty="0"/>
+              <a:t> function): </a:t>
+            </a:r>
+            <a:r>
+              <a:rPr lang="en-US" sz="1800" dirty="0"/>
+              <a:t>Updates particle state after a wall collision, inverts velocity if it collides with the boundary. </a:t>
+            </a:r>
+            <a:r>
+              <a:rPr lang="en-US" sz="1800" b="1" dirty="0"/>
+              <a:t>Particle-Particle Collisions (</a:t>
+            </a:r>
+            <a:r>
+              <a:rPr lang="en-US" sz="1800" b="1" dirty="0" err="1"/>
+              <a:t>updatePP</a:t>
+            </a:r>
+            <a:r>
+              <a:rPr lang="en-US" sz="1800" b="1" dirty="0"/>
+              <a:t> function): </a:t>
+            </a:r>
+            <a:r>
+              <a:rPr lang="en-US" sz="1800" dirty="0"/>
+              <a:t>Swaps velocities between particles post-collision to simulate elastic interaction.</a:t>
+            </a:r>
+          </a:p>
+          <a:p>
+            <a:r>
+              <a:rPr lang="en-US" sz="1800" b="1" dirty="0"/>
+              <a:t>Dynamic Collision Updating: </a:t>
+            </a:r>
+            <a:r>
+              <a:rPr lang="en-US" sz="1800" dirty="0"/>
+              <a:t>Array Updates (</a:t>
+            </a:r>
+            <a:r>
+              <a:rPr lang="en-US" sz="1800" dirty="0" err="1"/>
+              <a:t>updateColArr</a:t>
+            </a:r>
+            <a:r>
+              <a:rPr lang="en-US" sz="1800" dirty="0"/>
+              <a:t> function): After a collision, recalculates potential collisions involving the affected particles and updates the collision array accordingly.</a:t>
+            </a:r>
+          </a:p>
+          <a:p>
+            <a:r>
+              <a:rPr lang="en-US" sz="1800" b="1" dirty="0"/>
+              <a:t>Advancement and Finalization: </a:t>
+            </a:r>
+            <a:r>
+              <a:rPr lang="en-US" sz="1800" dirty="0"/>
+              <a:t>Position Updates (</a:t>
+            </a:r>
+            <a:r>
+              <a:rPr lang="en-US" sz="1800" dirty="0" err="1"/>
+              <a:t>updateParArr</a:t>
+            </a:r>
+            <a:r>
+              <a:rPr lang="en-US" sz="1800" dirty="0"/>
+              <a:t> function): Adjusts positions of all particles to the time of the last processed collision. </a:t>
+            </a:r>
+            <a:r>
+              <a:rPr lang="en-US" sz="1800" b="1" dirty="0"/>
+              <a:t>Simulation Completion: </a:t>
+            </a:r>
+            <a:r>
+              <a:rPr lang="en-US" sz="1800" dirty="0"/>
+              <a:t>Finalizes particle positions at user-specified end time, prints final states, and releases resources.</a:t>
+            </a:r>
+          </a:p>
+          <a:p>
+            <a:r>
+              <a:rPr lang="en-US" sz="1800" b="1" dirty="0"/>
+              <a:t>Flow Control Constructs: Loops: </a:t>
+            </a:r>
+            <a:r>
+              <a:rPr lang="en-US" sz="1800" dirty="0"/>
+              <a:t>Used to process events in time order and update the state of all particles and potential collisions continuously. </a:t>
+            </a:r>
+            <a:r>
+              <a:rPr lang="en-US" sz="1800" b="1" dirty="0"/>
+              <a:t>Conditional Statements: </a:t>
+            </a:r>
+            <a:r>
+              <a:rPr lang="en-US" sz="1800" dirty="0"/>
+              <a:t>Guide the logic flow, distinguishing between collision types and ensuring correct updates only where necessary.</a:t>
             </a:r>
           </a:p>
         </p:txBody>
@@ -3567,6 +3561,14 @@
 <file path=ppt/slides/slide2.xml><?xml version="1.0" encoding="utf-8"?>
 <p:sld xmlns:a="http://schemas.openxmlformats.org/drawingml/2006/main" xmlns:r="http://schemas.openxmlformats.org/officeDocument/2006/relationships" xmlns:p="http://schemas.openxmlformats.org/presentationml/2006/main">
   <p:cSld>
+    <p:bg>
+      <p:bgPr>
+        <a:solidFill>
+          <a:schemeClr val="bg1"/>
+        </a:solidFill>
+        <a:effectLst/>
+      </p:bgPr>
+    </p:bg>
     <p:spTree>
       <p:nvGrpSpPr>
         <p:cNvPr id="1" name=""/>
@@ -3581,36 +3583,97 @@
           <a:chExt cx="0" cy="0"/>
         </a:xfrm>
       </p:grpSpPr>
-      <p:sp>
-        <p:nvSpPr>
-          <p:cNvPr id="2" name="Title 1">
-            <a:extLst>
-              <a:ext uri="{FF2B5EF4-FFF2-40B4-BE49-F238E27FC236}">
-                <a16:creationId xmlns:a16="http://schemas.microsoft.com/office/drawing/2014/main" id="{C4DC4FD1-D325-23D5-7DF6-6D99CD4E40F0}"/>
-              </a:ext>
-            </a:extLst>
-          </p:cNvPr>
-          <p:cNvSpPr>
-            <a:spLocks noGrp="1"/>
-          </p:cNvSpPr>
-          <p:nvPr>
-            <p:ph type="title"/>
+      <p:sp useBgFill="1">
+        <p:nvSpPr>
+          <p:cNvPr id="17" name="Slide Background">
+            <a:extLst>
+              <a:ext uri="{FF2B5EF4-FFF2-40B4-BE49-F238E27FC236}">
+                <a16:creationId xmlns:a16="http://schemas.microsoft.com/office/drawing/2014/main" id="{9F7D5CDA-D291-4307-BF55-1381FED29634}"/>
+              </a:ext>
+              <a:ext uri="{C183D7F6-B498-43B3-948B-1728B52AA6E4}">
+                <adec:decorative xmlns:adec="http://schemas.microsoft.com/office/drawing/2017/decorative" val="1"/>
+              </a:ext>
+            </a:extLst>
+          </p:cNvPr>
+          <p:cNvSpPr>
+            <a:spLocks noGrp="1" noRot="1" noChangeAspect="1" noMove="1" noResize="1" noEditPoints="1" noAdjustHandles="1" noChangeArrowheads="1" noChangeShapeType="1" noTextEdit="1"/>
+          </p:cNvSpPr>
+          <p:nvPr>
+            <p:extLst>
+              <p:ext uri="{386F3935-93C4-4BCD-93E2-E3B085C9AB24}">
+                <p16:designElem xmlns:p16="http://schemas.microsoft.com/office/powerpoint/2015/main" val="1"/>
+              </p:ext>
+            </p:extLst>
           </p:nvPr>
         </p:nvSpPr>
         <p:spPr>
           <a:xfrm>
-            <a:off x="147735" y="253158"/>
-            <a:ext cx="5515947" cy="1325563"/>
+            <a:off x="0" y="0"/>
+            <a:ext cx="12192000" cy="6858000"/>
+          </a:xfrm>
+          <a:prstGeom prst="rect">
+            <a:avLst/>
+          </a:prstGeom>
+          <a:ln>
+            <a:noFill/>
+          </a:ln>
+        </p:spPr>
+        <p:style>
+          <a:lnRef idx="2">
+            <a:schemeClr val="accent1">
+              <a:shade val="50000"/>
+            </a:schemeClr>
+          </a:lnRef>
+          <a:fillRef idx="1">
+            <a:schemeClr val="accent1"/>
+          </a:fillRef>
+          <a:effectRef idx="0">
+            <a:schemeClr val="accent1"/>
+          </a:effectRef>
+          <a:fontRef idx="minor">
+            <a:schemeClr val="lt1"/>
+          </a:fontRef>
+        </p:style>
+        <p:txBody>
+          <a:bodyPr rtlCol="0" anchor="ctr"/>
+          <a:lstStyle/>
+          <a:p>
+            <a:pPr algn="ctr"/>
+            <a:endParaRPr lang="en-US"/>
+          </a:p>
+        </p:txBody>
+      </p:sp>
+      <p:sp>
+        <p:nvSpPr>
+          <p:cNvPr id="2" name="Title 1">
+            <a:extLst>
+              <a:ext uri="{FF2B5EF4-FFF2-40B4-BE49-F238E27FC236}">
+                <a16:creationId xmlns:a16="http://schemas.microsoft.com/office/drawing/2014/main" id="{C4DC4FD1-D325-23D5-7DF6-6D99CD4E40F0}"/>
+              </a:ext>
+            </a:extLst>
+          </p:cNvPr>
+          <p:cNvSpPr>
+            <a:spLocks noGrp="1"/>
+          </p:cNvSpPr>
+          <p:nvPr>
+            <p:ph type="title"/>
+          </p:nvPr>
+        </p:nvSpPr>
+        <p:spPr>
+          <a:xfrm>
+            <a:off x="761800" y="762001"/>
+            <a:ext cx="5334197" cy="1708242"/>
           </a:xfrm>
         </p:spPr>
         <p:txBody>
-          <a:bodyPr/>
-          <a:lstStyle/>
-          <a:p>
-            <a:pPr algn="ctr"/>
-            <a:r>
-              <a:rPr lang="en-US" dirty="0"/>
-              <a:t>Program Validation</a:t>
+          <a:bodyPr anchor="ctr">
+            <a:normAutofit/>
+          </a:bodyPr>
+          <a:lstStyle/>
+          <a:p>
+            <a:r>
+              <a:rPr lang="en-US" sz="3700" dirty="0"/>
+              <a:t>Automated Validation with Bash Script - Overview</a:t>
             </a:r>
           </a:p>
         </p:txBody>
@@ -3633,13 +3696,13 @@
         </p:nvSpPr>
         <p:spPr>
           <a:xfrm>
-            <a:off x="838200" y="1481779"/>
-            <a:ext cx="10515600" cy="5262970"/>
+            <a:off x="761800" y="2155372"/>
+            <a:ext cx="5334197" cy="4432040"/>
           </a:xfrm>
         </p:spPr>
         <p:txBody>
-          <a:bodyPr>
-            <a:noAutofit/>
+          <a:bodyPr anchor="ctr">
+            <a:normAutofit/>
           </a:bodyPr>
           <a:lstStyle/>
           <a:p>
@@ -3647,78 +3710,359 @@
               <a:buNone/>
             </a:pPr>
             <a:r>
-              <a:rPr lang="en-US" sz="2000" b="1" i="1" dirty="0"/>
-              <a:t>Stress Testing Approach (See README.TXT)</a:t>
-            </a:r>
-          </a:p>
-          <a:p>
-            <a:r>
-              <a:rPr lang="en-US" sz="2000" dirty="0"/>
-              <a:t>Comprehensive testing of complex graph structures with varying connected components.</a:t>
-            </a:r>
-          </a:p>
-          <a:p>
-            <a:r>
-              <a:rPr lang="en-US" sz="2000" dirty="0"/>
-              <a:t>Ensured detection of distinct connected components with alternating edge weights.</a:t>
-            </a:r>
-          </a:p>
-          <a:p>
-            <a:r>
-              <a:rPr lang="en-US" sz="2000" dirty="0"/>
-              <a:t>Validation of correct weight interpretation.</a:t>
-            </a:r>
+              <a:rPr lang="en-US" sz="1200" b="1" i="1" dirty="0"/>
+              <a:t>Script Functionality:</a:t>
+            </a:r>
+          </a:p>
+          <a:p>
+            <a:r>
+              <a:rPr lang="en-US" sz="1200" dirty="0"/>
+              <a:t>A Bash script is designed to run the particle simulation program at predefined times.</a:t>
+            </a:r>
+          </a:p>
+          <a:p>
+            <a:r>
+              <a:rPr lang="en-US" sz="1200" dirty="0"/>
+              <a:t>For each time value, the script compares the actual output of the program with the expected results.</a:t>
+            </a:r>
+          </a:p>
+          <a:p>
+            <a:endParaRPr lang="en-US" sz="1200" dirty="0"/>
           </a:p>
           <a:p>
             <a:pPr marL="0" indent="0">
               <a:buNone/>
             </a:pPr>
             <a:r>
-              <a:rPr lang="en-US" sz="2000" b="1" i="1" dirty="0"/>
-              <a:t>Validation Criteria</a:t>
-            </a:r>
-          </a:p>
-          <a:p>
-            <a:r>
-              <a:rPr lang="en-US" sz="2000" dirty="0"/>
-              <a:t>Depth-First Search must correctly identify separate connected components in the graph.</a:t>
-            </a:r>
-          </a:p>
-          <a:p>
-            <a:r>
-              <a:rPr lang="en-US" sz="2000" dirty="0"/>
-              <a:t>Accurate reading and processing of edge weights.</a:t>
-            </a:r>
-          </a:p>
-          <a:p>
-            <a:r>
-              <a:rPr lang="en-US" sz="2000" dirty="0"/>
-              <a:t>Handling of repeated edges and unique vertex identifiers.</a:t>
-            </a:r>
+              <a:rPr lang="en-US" sz="1200" b="1" i="1" dirty="0"/>
+              <a:t>Efficiency in Testing:</a:t>
+            </a:r>
+          </a:p>
+          <a:p>
+            <a:r>
+              <a:rPr lang="en-US" sz="1200" dirty="0"/>
+              <a:t>Automating the process allows for multiple test cases to be run sequentially without manual intervention.</a:t>
+            </a:r>
+          </a:p>
+          <a:p>
+            <a:r>
+              <a:rPr lang="en-US" sz="1200" dirty="0"/>
+              <a:t>This ensures comprehensive coverage over a range of different scenarios.</a:t>
+            </a:r>
+          </a:p>
+          <a:p>
+            <a:endParaRPr lang="en-US" sz="1200" dirty="0"/>
           </a:p>
           <a:p>
             <a:pPr marL="0" indent="0">
               <a:buNone/>
             </a:pPr>
             <a:r>
-              <a:rPr lang="en-US" sz="2000" b="1" i="1" dirty="0"/>
-              <a:t>Results</a:t>
-            </a:r>
-          </a:p>
-          <a:p>
-            <a:r>
-              <a:rPr lang="en-US" sz="2000" dirty="0"/>
-              <a:t>All tests, including the advanced graph structure test (connections_advanced_test.txt), were successfully executed, verifying the accurate and robust operation of the connectivity detection program. The algorithm effectively determines connected components and respects given edge weights, even in complex scenarios.</a:t>
+              <a:rPr lang="en-US" sz="1200" b="1" i="1" dirty="0"/>
+              <a:t>Precision of Evaluation:</a:t>
+            </a:r>
+          </a:p>
+          <a:p>
+            <a:r>
+              <a:rPr lang="en-US" sz="1200" dirty="0"/>
+              <a:t>The script captures the actual output of the simulation and displays it alongside pre-defined expected outcomes for verification.</a:t>
+            </a:r>
+          </a:p>
+          <a:p>
+            <a:r>
+              <a:rPr lang="en-US" sz="1200" dirty="0"/>
+              <a:t>Any discrepancies are easily noted, allowing for quick debugging and validation.</a:t>
             </a:r>
           </a:p>
         </p:txBody>
       </p:sp>
       <p:pic>
         <p:nvPicPr>
-          <p:cNvPr id="5" name="Picture 4" descr="A computer screen with white text&#10;&#10;Description automatically generated">
-            <a:extLst>
-              <a:ext uri="{FF2B5EF4-FFF2-40B4-BE49-F238E27FC236}">
-                <a16:creationId xmlns:a16="http://schemas.microsoft.com/office/drawing/2014/main" id="{482E6435-2294-B93E-348F-22747B74E698}"/>
+          <p:cNvPr id="5" name="Picture 4" descr="A screenshot of a computer program&#10;&#10;Description automatically generated">
+            <a:extLst>
+              <a:ext uri="{FF2B5EF4-FFF2-40B4-BE49-F238E27FC236}">
+                <a16:creationId xmlns:a16="http://schemas.microsoft.com/office/drawing/2014/main" id="{98870001-B027-E190-16E7-EA4AD0B80C19}"/>
+              </a:ext>
+            </a:extLst>
+          </p:cNvPr>
+          <p:cNvPicPr>
+            <a:picLocks noChangeAspect="1"/>
+          </p:cNvPicPr>
+          <p:nvPr/>
+        </p:nvPicPr>
+        <p:blipFill rotWithShape="1">
+          <a:blip r:embed="rId2">
+            <a:extLst>
+              <a:ext uri="{28A0092B-C50C-407E-A947-70E740481C1C}">
+                <a14:useLocalDpi xmlns:a14="http://schemas.microsoft.com/office/drawing/2010/main" val="0"/>
+              </a:ext>
+            </a:extLst>
+          </a:blip>
+          <a:srcRect r="8368" b="-1"/>
+          <a:stretch/>
+        </p:blipFill>
+        <p:spPr>
+          <a:xfrm>
+            <a:off x="6857797" y="-10886"/>
+            <a:ext cx="5334204" cy="6868886"/>
+          </a:xfrm>
+          <a:prstGeom prst="rect">
+            <a:avLst/>
+          </a:prstGeom>
+          <a:effectLst>
+            <a:outerShdw blurRad="127000" dist="50800" dir="10800000" sx="99000" sy="99000" algn="r" rotWithShape="0">
+              <a:prstClr val="black">
+                <a:alpha val="40000"/>
+              </a:prstClr>
+            </a:outerShdw>
+          </a:effectLst>
+        </p:spPr>
+      </p:pic>
+    </p:spTree>
+    <p:extLst>
+      <p:ext uri="{BB962C8B-B14F-4D97-AF65-F5344CB8AC3E}">
+        <p14:creationId xmlns:p14="http://schemas.microsoft.com/office/powerpoint/2010/main" val="2669090787"/>
+      </p:ext>
+    </p:extLst>
+  </p:cSld>
+  <p:clrMapOvr>
+    <a:masterClrMapping/>
+  </p:clrMapOvr>
+</p:sld>
+</file>
+
+<file path=ppt/slides/slide3.xml><?xml version="1.0" encoding="utf-8"?>
+<p:sld xmlns:a="http://schemas.openxmlformats.org/drawingml/2006/main" xmlns:r="http://schemas.openxmlformats.org/officeDocument/2006/relationships" xmlns:p="http://schemas.openxmlformats.org/presentationml/2006/main">
+  <p:cSld>
+    <p:bg>
+      <p:bgPr>
+        <a:solidFill>
+          <a:schemeClr val="bg1"/>
+        </a:solidFill>
+        <a:effectLst/>
+      </p:bgPr>
+    </p:bg>
+    <p:spTree>
+      <p:nvGrpSpPr>
+        <p:cNvPr id="1" name=""/>
+        <p:cNvGrpSpPr/>
+        <p:nvPr/>
+      </p:nvGrpSpPr>
+      <p:grpSpPr>
+        <a:xfrm>
+          <a:off x="0" y="0"/>
+          <a:ext cx="0" cy="0"/>
+          <a:chOff x="0" y="0"/>
+          <a:chExt cx="0" cy="0"/>
+        </a:xfrm>
+      </p:grpSpPr>
+      <p:sp useBgFill="1">
+        <p:nvSpPr>
+          <p:cNvPr id="10" name="Slide Background">
+            <a:extLst>
+              <a:ext uri="{FF2B5EF4-FFF2-40B4-BE49-F238E27FC236}">
+                <a16:creationId xmlns:a16="http://schemas.microsoft.com/office/drawing/2014/main" id="{9F7D5CDA-D291-4307-BF55-1381FED29634}"/>
+              </a:ext>
+              <a:ext uri="{C183D7F6-B498-43B3-948B-1728B52AA6E4}">
+                <adec:decorative xmlns:adec="http://schemas.microsoft.com/office/drawing/2017/decorative" val="1"/>
+              </a:ext>
+            </a:extLst>
+          </p:cNvPr>
+          <p:cNvSpPr>
+            <a:spLocks noGrp="1" noRot="1" noChangeAspect="1" noMove="1" noResize="1" noEditPoints="1" noAdjustHandles="1" noChangeArrowheads="1" noChangeShapeType="1" noTextEdit="1"/>
+          </p:cNvSpPr>
+          <p:nvPr>
+            <p:extLst>
+              <p:ext uri="{386F3935-93C4-4BCD-93E2-E3B085C9AB24}">
+                <p16:designElem xmlns:p16="http://schemas.microsoft.com/office/powerpoint/2015/main" val="1"/>
+              </p:ext>
+            </p:extLst>
+          </p:nvPr>
+        </p:nvSpPr>
+        <p:spPr>
+          <a:xfrm>
+            <a:off x="0" y="0"/>
+            <a:ext cx="12192000" cy="6858000"/>
+          </a:xfrm>
+          <a:prstGeom prst="rect">
+            <a:avLst/>
+          </a:prstGeom>
+          <a:ln>
+            <a:noFill/>
+          </a:ln>
+        </p:spPr>
+        <p:style>
+          <a:lnRef idx="2">
+            <a:schemeClr val="accent1">
+              <a:shade val="50000"/>
+            </a:schemeClr>
+          </a:lnRef>
+          <a:fillRef idx="1">
+            <a:schemeClr val="accent1"/>
+          </a:fillRef>
+          <a:effectRef idx="0">
+            <a:schemeClr val="accent1"/>
+          </a:effectRef>
+          <a:fontRef idx="minor">
+            <a:schemeClr val="lt1"/>
+          </a:fontRef>
+        </p:style>
+        <p:txBody>
+          <a:bodyPr rtlCol="0" anchor="ctr"/>
+          <a:lstStyle/>
+          <a:p>
+            <a:pPr algn="ctr"/>
+            <a:endParaRPr lang="en-US"/>
+          </a:p>
+        </p:txBody>
+      </p:sp>
+      <p:sp>
+        <p:nvSpPr>
+          <p:cNvPr id="2" name="Title 1">
+            <a:extLst>
+              <a:ext uri="{FF2B5EF4-FFF2-40B4-BE49-F238E27FC236}">
+                <a16:creationId xmlns:a16="http://schemas.microsoft.com/office/drawing/2014/main" id="{C4DC4FD1-D325-23D5-7DF6-6D99CD4E40F0}"/>
+              </a:ext>
+            </a:extLst>
+          </p:cNvPr>
+          <p:cNvSpPr>
+            <a:spLocks noGrp="1"/>
+          </p:cNvSpPr>
+          <p:nvPr>
+            <p:ph type="title"/>
+          </p:nvPr>
+        </p:nvSpPr>
+        <p:spPr>
+          <a:xfrm>
+            <a:off x="761800" y="762001"/>
+            <a:ext cx="5334197" cy="1708242"/>
+          </a:xfrm>
+        </p:spPr>
+        <p:txBody>
+          <a:bodyPr anchor="ctr">
+            <a:normAutofit/>
+          </a:bodyPr>
+          <a:lstStyle/>
+          <a:p>
+            <a:r>
+              <a:rPr lang="en-US" sz="3700"/>
+              <a:t>Automated Validation with Bash Script - Execution and Results</a:t>
+            </a:r>
+          </a:p>
+        </p:txBody>
+      </p:sp>
+      <p:sp>
+        <p:nvSpPr>
+          <p:cNvPr id="3" name="Content Placeholder 2">
+            <a:extLst>
+              <a:ext uri="{FF2B5EF4-FFF2-40B4-BE49-F238E27FC236}">
+                <a16:creationId xmlns:a16="http://schemas.microsoft.com/office/drawing/2014/main" id="{921E8003-C8A9-7DA4-5D37-1FA663791AC1}"/>
+              </a:ext>
+            </a:extLst>
+          </p:cNvPr>
+          <p:cNvSpPr>
+            <a:spLocks noGrp="1"/>
+          </p:cNvSpPr>
+          <p:nvPr>
+            <p:ph idx="1"/>
+          </p:nvPr>
+        </p:nvSpPr>
+        <p:spPr>
+          <a:xfrm>
+            <a:off x="761800" y="2470244"/>
+            <a:ext cx="5334197" cy="4387756"/>
+          </a:xfrm>
+        </p:spPr>
+        <p:txBody>
+          <a:bodyPr anchor="ctr">
+            <a:normAutofit/>
+          </a:bodyPr>
+          <a:lstStyle/>
+          <a:p>
+            <a:pPr marL="0" indent="0">
+              <a:buNone/>
+            </a:pPr>
+            <a:r>
+              <a:rPr lang="en-US" sz="1200" b="1" i="1" dirty="0"/>
+              <a:t>Execution Process:</a:t>
+            </a:r>
+          </a:p>
+          <a:p>
+            <a:r>
+              <a:rPr lang="en-US" sz="1200" dirty="0"/>
+              <a:t>The script loops through an array of time values, running the particle simulation for each.</a:t>
+            </a:r>
+          </a:p>
+          <a:p>
+            <a:r>
+              <a:rPr lang="en-US" sz="1200" dirty="0"/>
+              <a:t>After each run, it captures the simulation's output and invokes a function to print the expected results.</a:t>
+            </a:r>
+          </a:p>
+          <a:p>
+            <a:pPr marL="0" indent="0">
+              <a:buNone/>
+            </a:pPr>
+            <a:r>
+              <a:rPr lang="en-US" sz="1200" b="1" i="1" dirty="0"/>
+              <a:t>Case-by-Case Validation:</a:t>
+            </a:r>
+          </a:p>
+          <a:p>
+            <a:r>
+              <a:rPr lang="en-US" sz="1200" dirty="0"/>
+              <a:t>Each case within the </a:t>
+            </a:r>
+            <a:r>
+              <a:rPr lang="en-US" sz="1200" dirty="0" err="1"/>
+              <a:t>print_expected_result</a:t>
+            </a:r>
+            <a:r>
+              <a:rPr lang="en-US" sz="1200" dirty="0"/>
+              <a:t> function corresponds to a time value where the output is known.</a:t>
+            </a:r>
+          </a:p>
+          <a:p>
+            <a:r>
+              <a:rPr lang="en-US" sz="1200" dirty="0"/>
+              <a:t>The expected output for each time value would be filled in the script, corresponding to theoretical or previously confirmed results.</a:t>
+            </a:r>
+          </a:p>
+          <a:p>
+            <a:pPr marL="0" indent="0">
+              <a:buNone/>
+            </a:pPr>
+            <a:r>
+              <a:rPr lang="en-US" sz="1200" b="1" i="1" dirty="0"/>
+              <a:t>Outcome and Insights:</a:t>
+            </a:r>
+          </a:p>
+          <a:p>
+            <a:r>
+              <a:rPr lang="en-US" sz="1200" dirty="0"/>
+              <a:t>The actual output is echoed on the console, followed by the expected output, facilitating direct comparison.</a:t>
+            </a:r>
+          </a:p>
+          <a:p>
+            <a:r>
+              <a:rPr lang="en-US" sz="1200" dirty="0"/>
+              <a:t>This comparison serves as a regression test to ensure that any changes in the code do not alter the correct behavior of the program.</a:t>
+            </a:r>
+          </a:p>
+          <a:p>
+            <a:r>
+              <a:rPr lang="en-US" sz="1200" dirty="0"/>
+              <a:t>By confirming the actual output matches the expected results at various times, we validate the program's consistent performance across multiple scenarios.</a:t>
+            </a:r>
+          </a:p>
+        </p:txBody>
+      </p:sp>
+      <p:pic>
+        <p:nvPicPr>
+          <p:cNvPr id="7" name="Picture 6" descr="A computer screen with numbers and letters&#10;&#10;Description automatically generated">
+            <a:extLst>
+              <a:ext uri="{FF2B5EF4-FFF2-40B4-BE49-F238E27FC236}">
+                <a16:creationId xmlns:a16="http://schemas.microsoft.com/office/drawing/2014/main" id="{032AE082-B37E-9D33-B780-0E6520AC91E0}"/>
               </a:ext>
             </a:extLst>
           </p:cNvPr>
@@ -3741,8 +4085,8 @@
         </p:blipFill>
         <p:spPr>
           <a:xfrm>
-            <a:off x="6916048" y="-1"/>
-            <a:ext cx="5275952" cy="1940767"/>
+            <a:off x="7556563" y="0"/>
+            <a:ext cx="4635437" cy="6858000"/>
           </a:xfrm>
           <a:prstGeom prst="rect">
             <a:avLst/>
@@ -3752,7 +4096,7 @@
     </p:spTree>
     <p:extLst>
       <p:ext uri="{BB962C8B-B14F-4D97-AF65-F5344CB8AC3E}">
-        <p14:creationId xmlns:p14="http://schemas.microsoft.com/office/powerpoint/2010/main" val="2669090787"/>
+        <p14:creationId xmlns:p14="http://schemas.microsoft.com/office/powerpoint/2010/main" val="3694369379"/>
       </p:ext>
     </p:extLst>
   </p:cSld>
